--- a/presentation.pptx
+++ b/presentation.pptx
@@ -217,7 +217,7 @@
           <a:p>
             <a:fld id="{5E59C1D5-7224-4EF4-87D3-1B5F687E0417}" type="datetimeFigureOut">
               <a:rPr lang="ru-RU" smtClean="0"/>
-              <a:t>10.06.2020</a:t>
+              <a:t>18.06.2020</a:t>
             </a:fld>
             <a:endParaRPr lang="ru-RU"/>
           </a:p>
@@ -868,7 +868,7 @@
           <a:p>
             <a:fld id="{2FF6250D-C19D-430B-A2B5-000A954BF732}" type="datetime1">
               <a:rPr lang="ru-RU" smtClean="0"/>
-              <a:t>10.06.2020</a:t>
+              <a:t>18.06.2020</a:t>
             </a:fld>
             <a:endParaRPr lang="ru-RU"/>
           </a:p>
@@ -1038,7 +1038,7 @@
           <a:p>
             <a:fld id="{4D46AC32-59A6-4CA8-A9C7-3E41EBA72ACA}" type="datetime1">
               <a:rPr lang="ru-RU" smtClean="0"/>
-              <a:t>10.06.2020</a:t>
+              <a:t>18.06.2020</a:t>
             </a:fld>
             <a:endParaRPr lang="ru-RU"/>
           </a:p>
@@ -1218,7 +1218,7 @@
           <a:p>
             <a:fld id="{1D034651-1587-4C91-95F3-25A0DCCF34B2}" type="datetime1">
               <a:rPr lang="ru-RU" smtClean="0"/>
-              <a:t>10.06.2020</a:t>
+              <a:t>18.06.2020</a:t>
             </a:fld>
             <a:endParaRPr lang="ru-RU"/>
           </a:p>
@@ -1388,7 +1388,7 @@
           <a:p>
             <a:fld id="{4FCF5966-3B54-442C-BEE4-C355764C5F65}" type="datetime1">
               <a:rPr lang="ru-RU" smtClean="0"/>
-              <a:t>10.06.2020</a:t>
+              <a:t>18.06.2020</a:t>
             </a:fld>
             <a:endParaRPr lang="ru-RU"/>
           </a:p>
@@ -1634,7 +1634,7 @@
           <a:p>
             <a:fld id="{AC3854BC-ABAB-4777-B5F8-83FF976BED42}" type="datetime1">
               <a:rPr lang="ru-RU" smtClean="0"/>
-              <a:t>10.06.2020</a:t>
+              <a:t>18.06.2020</a:t>
             </a:fld>
             <a:endParaRPr lang="ru-RU"/>
           </a:p>
@@ -1866,7 +1866,7 @@
           <a:p>
             <a:fld id="{4844F7ED-E732-4BB7-9530-BC5460FB76EA}" type="datetime1">
               <a:rPr lang="ru-RU" smtClean="0"/>
-              <a:t>10.06.2020</a:t>
+              <a:t>18.06.2020</a:t>
             </a:fld>
             <a:endParaRPr lang="ru-RU"/>
           </a:p>
@@ -2233,7 +2233,7 @@
           <a:p>
             <a:fld id="{8911B205-568C-4D51-856E-13EA19BAEF15}" type="datetime1">
               <a:rPr lang="ru-RU" smtClean="0"/>
-              <a:t>10.06.2020</a:t>
+              <a:t>18.06.2020</a:t>
             </a:fld>
             <a:endParaRPr lang="ru-RU"/>
           </a:p>
@@ -2351,7 +2351,7 @@
           <a:p>
             <a:fld id="{86366A21-7F4C-4F46-BB17-9935341EC724}" type="datetime1">
               <a:rPr lang="ru-RU" smtClean="0"/>
-              <a:t>10.06.2020</a:t>
+              <a:t>18.06.2020</a:t>
             </a:fld>
             <a:endParaRPr lang="ru-RU"/>
           </a:p>
@@ -2446,7 +2446,7 @@
           <a:p>
             <a:fld id="{9F1F7593-F2B9-4135-8E25-26161FF6B5D7}" type="datetime1">
               <a:rPr lang="ru-RU" smtClean="0"/>
-              <a:t>10.06.2020</a:t>
+              <a:t>18.06.2020</a:t>
             </a:fld>
             <a:endParaRPr lang="ru-RU"/>
           </a:p>
@@ -2723,7 +2723,7 @@
           <a:p>
             <a:fld id="{6ADE81EA-E515-40B4-9684-E5EF412F9582}" type="datetime1">
               <a:rPr lang="ru-RU" smtClean="0"/>
-              <a:t>10.06.2020</a:t>
+              <a:t>18.06.2020</a:t>
             </a:fld>
             <a:endParaRPr lang="ru-RU"/>
           </a:p>
@@ -2976,7 +2976,7 @@
           <a:p>
             <a:fld id="{08D73415-B93F-46FA-A664-3872215786FF}" type="datetime1">
               <a:rPr lang="ru-RU" smtClean="0"/>
-              <a:t>10.06.2020</a:t>
+              <a:t>18.06.2020</a:t>
             </a:fld>
             <a:endParaRPr lang="ru-RU"/>
           </a:p>
@@ -3189,7 +3189,7 @@
           <a:p>
             <a:fld id="{68799A96-AD8E-4D25-982E-275B389FDFD7}" type="datetime1">
               <a:rPr lang="ru-RU" smtClean="0"/>
-              <a:t>10.06.2020</a:t>
+              <a:t>18.06.2020</a:t>
             </a:fld>
             <a:endParaRPr lang="ru-RU"/>
           </a:p>
@@ -6480,7 +6480,25 @@
               <a:rPr lang="ru-RU" dirty="0" smtClean="0">
                 <a:latin typeface="Calibri Light (Заголовки)"/>
               </a:rPr>
-              <a:t>Вход под соответствующем ролью в систему</a:t>
+              <a:t>Вход </a:t>
+            </a:r>
+            <a:r>
+              <a:rPr lang="ru-RU" smtClean="0">
+                <a:latin typeface="Calibri Light (Заголовки)"/>
+              </a:rPr>
+              <a:t>под </a:t>
+            </a:r>
+            <a:r>
+              <a:rPr lang="ru-RU" smtClean="0">
+                <a:latin typeface="Calibri Light (Заголовки)"/>
+              </a:rPr>
+              <a:t>соответствующей </a:t>
+            </a:r>
+            <a:r>
+              <a:rPr lang="ru-RU" dirty="0" smtClean="0">
+                <a:latin typeface="Calibri Light (Заголовки)"/>
+              </a:rPr>
+              <a:t>ролью в систему</a:t>
             </a:r>
           </a:p>
           <a:p>
